--- a/Docs/Poster.pptx
+++ b/Docs/Poster.pptx
@@ -16661,10 +16661,22 @@
                 <a:cs typeface="Calibri"/>
                 <a:sym typeface="Calibri"/>
               </a:rPr>
-              <a:t>Demo-version: </a:t>
+              <a:t>Demo-version</a:t>
             </a:r>
             <a:r>
-              <a:rPr lang="en-US" sz="3400" dirty="0">
+              <a:rPr lang="en-US" sz="3439" b="1" i="0" u="none" strike="noStrike" cap="none">
+                <a:solidFill>
+                  <a:srgbClr val="00B050"/>
+                </a:solidFill>
+                <a:latin typeface="Calibri"/>
+                <a:ea typeface="Calibri"/>
+                <a:cs typeface="Calibri"/>
+                <a:sym typeface="Calibri"/>
+              </a:rPr>
+              <a:t>: </a:t>
+            </a:r>
+            <a:r>
+              <a:rPr lang="en-US" sz="3400">
                 <a:solidFill>
                   <a:schemeClr val="dk1"/>
                 </a:solidFill>
@@ -16674,10 +16686,10 @@
                 <a:sym typeface="Calibri"/>
                 <a:hlinkClick r:id="rId5"/>
               </a:rPr>
-              <a:t>https://</a:t>
+              <a:t>https://youtu.be</a:t>
             </a:r>
             <a:r>
-              <a:rPr lang="en-US" sz="3400" dirty="0" smtClean="0">
+              <a:rPr lang="en-US" sz="3400">
                 <a:solidFill>
                   <a:schemeClr val="dk1"/>
                 </a:solidFill>
@@ -16687,7 +16699,32 @@
                 <a:sym typeface="Calibri"/>
                 <a:hlinkClick r:id="rId5"/>
               </a:rPr>
-              <a:t>youtu.be/1NreI5Da3bs</a:t>
+              <a:t>/-</a:t>
+            </a:r>
+            <a:r>
+              <a:rPr lang="en-US" sz="3400" smtClean="0">
+                <a:solidFill>
+                  <a:schemeClr val="dk1"/>
+                </a:solidFill>
+                <a:latin typeface="Calibri"/>
+                <a:ea typeface="Calibri"/>
+                <a:cs typeface="Calibri"/>
+                <a:sym typeface="Calibri"/>
+                <a:hlinkClick r:id="rId5"/>
+              </a:rPr>
+              <a:t>XkQ0r8_UKo</a:t>
+            </a:r>
+            <a:r>
+              <a:rPr lang="en-US" sz="3400" smtClean="0">
+                <a:solidFill>
+                  <a:schemeClr val="dk1"/>
+                </a:solidFill>
+                <a:latin typeface="Calibri"/>
+                <a:ea typeface="Calibri"/>
+                <a:cs typeface="Calibri"/>
+                <a:sym typeface="Calibri"/>
+              </a:rPr>
+              <a:t> </a:t>
             </a:r>
             <a:endParaRPr sz="3439" b="0" i="0" u="none" strike="noStrike" cap="none" dirty="0">
               <a:solidFill>
